--- a/HeatplotSkeleton2-4-24.pptx
+++ b/HeatplotSkeleton2-4-24.pptx
@@ -270,7 +270,7 @@
           <a:p>
             <a:fld id="{E45D3C0A-EA16-4904-87EE-1F250A8E2B02}" type="datetimeFigureOut">
               <a:rPr lang="en-US" smtClean="0"/>
-              <a:t>2/4/2024</a:t>
+              <a:t>2/7/2024</a:t>
             </a:fld>
             <a:endParaRPr lang="en-US"/>
           </a:p>
@@ -468,7 +468,7 @@
           <a:p>
             <a:fld id="{E45D3C0A-EA16-4904-87EE-1F250A8E2B02}" type="datetimeFigureOut">
               <a:rPr lang="en-US" smtClean="0"/>
-              <a:t>2/4/2024</a:t>
+              <a:t>2/7/2024</a:t>
             </a:fld>
             <a:endParaRPr lang="en-US"/>
           </a:p>
@@ -676,7 +676,7 @@
           <a:p>
             <a:fld id="{E45D3C0A-EA16-4904-87EE-1F250A8E2B02}" type="datetimeFigureOut">
               <a:rPr lang="en-US" smtClean="0"/>
-              <a:t>2/4/2024</a:t>
+              <a:t>2/7/2024</a:t>
             </a:fld>
             <a:endParaRPr lang="en-US"/>
           </a:p>
@@ -874,7 +874,7 @@
           <a:p>
             <a:fld id="{E45D3C0A-EA16-4904-87EE-1F250A8E2B02}" type="datetimeFigureOut">
               <a:rPr lang="en-US" smtClean="0"/>
-              <a:t>2/4/2024</a:t>
+              <a:t>2/7/2024</a:t>
             </a:fld>
             <a:endParaRPr lang="en-US"/>
           </a:p>
@@ -1149,7 +1149,7 @@
           <a:p>
             <a:fld id="{E45D3C0A-EA16-4904-87EE-1F250A8E2B02}" type="datetimeFigureOut">
               <a:rPr lang="en-US" smtClean="0"/>
-              <a:t>2/4/2024</a:t>
+              <a:t>2/7/2024</a:t>
             </a:fld>
             <a:endParaRPr lang="en-US"/>
           </a:p>
@@ -1414,7 +1414,7 @@
           <a:p>
             <a:fld id="{E45D3C0A-EA16-4904-87EE-1F250A8E2B02}" type="datetimeFigureOut">
               <a:rPr lang="en-US" smtClean="0"/>
-              <a:t>2/4/2024</a:t>
+              <a:t>2/7/2024</a:t>
             </a:fld>
             <a:endParaRPr lang="en-US"/>
           </a:p>
@@ -1826,7 +1826,7 @@
           <a:p>
             <a:fld id="{E45D3C0A-EA16-4904-87EE-1F250A8E2B02}" type="datetimeFigureOut">
               <a:rPr lang="en-US" smtClean="0"/>
-              <a:t>2/4/2024</a:t>
+              <a:t>2/7/2024</a:t>
             </a:fld>
             <a:endParaRPr lang="en-US"/>
           </a:p>
@@ -1967,7 +1967,7 @@
           <a:p>
             <a:fld id="{E45D3C0A-EA16-4904-87EE-1F250A8E2B02}" type="datetimeFigureOut">
               <a:rPr lang="en-US" smtClean="0"/>
-              <a:t>2/4/2024</a:t>
+              <a:t>2/7/2024</a:t>
             </a:fld>
             <a:endParaRPr lang="en-US"/>
           </a:p>
@@ -2080,7 +2080,7 @@
           <a:p>
             <a:fld id="{E45D3C0A-EA16-4904-87EE-1F250A8E2B02}" type="datetimeFigureOut">
               <a:rPr lang="en-US" smtClean="0"/>
-              <a:t>2/4/2024</a:t>
+              <a:t>2/7/2024</a:t>
             </a:fld>
             <a:endParaRPr lang="en-US"/>
           </a:p>
@@ -2391,7 +2391,7 @@
           <a:p>
             <a:fld id="{E45D3C0A-EA16-4904-87EE-1F250A8E2B02}" type="datetimeFigureOut">
               <a:rPr lang="en-US" smtClean="0"/>
-              <a:t>2/4/2024</a:t>
+              <a:t>2/7/2024</a:t>
             </a:fld>
             <a:endParaRPr lang="en-US"/>
           </a:p>
@@ -2679,7 +2679,7 @@
           <a:p>
             <a:fld id="{E45D3C0A-EA16-4904-87EE-1F250A8E2B02}" type="datetimeFigureOut">
               <a:rPr lang="en-US" smtClean="0"/>
-              <a:t>2/4/2024</a:t>
+              <a:t>2/7/2024</a:t>
             </a:fld>
             <a:endParaRPr lang="en-US"/>
           </a:p>
@@ -2920,7 +2920,7 @@
           <a:p>
             <a:fld id="{E45D3C0A-EA16-4904-87EE-1F250A8E2B02}" type="datetimeFigureOut">
               <a:rPr lang="en-US" smtClean="0"/>
-              <a:t>2/4/2024</a:t>
+              <a:t>2/7/2024</a:t>
             </a:fld>
             <a:endParaRPr lang="en-US"/>
           </a:p>
@@ -17945,6 +17945,180 @@
           <a:xfrm flipH="1">
             <a:off x="3484976" y="2397609"/>
             <a:ext cx="138635" cy="0"/>
+          </a:xfrm>
+          <a:prstGeom prst="line">
+            <a:avLst/>
+          </a:prstGeom>
+          <a:ln>
+            <a:solidFill>
+              <a:schemeClr val="tx1"/>
+            </a:solidFill>
+          </a:ln>
+        </p:spPr>
+        <p:style>
+          <a:lnRef idx="1">
+            <a:schemeClr val="accent1"/>
+          </a:lnRef>
+          <a:fillRef idx="0">
+            <a:schemeClr val="accent1"/>
+          </a:fillRef>
+          <a:effectRef idx="0">
+            <a:schemeClr val="accent1"/>
+          </a:effectRef>
+          <a:fontRef idx="minor">
+            <a:schemeClr val="tx1"/>
+          </a:fontRef>
+        </p:style>
+      </p:cxnSp>
+      <p:sp>
+        <p:nvSpPr>
+          <p:cNvPr id="74" name="TextBox 73">
+            <a:extLst>
+              <a:ext uri="{FF2B5EF4-FFF2-40B4-BE49-F238E27FC236}">
+                <a16:creationId xmlns:a16="http://schemas.microsoft.com/office/drawing/2014/main" id="{9A3CD245-7F37-8FC3-A82A-7861CB9ED2B1}"/>
+              </a:ext>
+            </a:extLst>
+          </p:cNvPr>
+          <p:cNvSpPr txBox="1"/>
+          <p:nvPr/>
+        </p:nvSpPr>
+        <p:spPr>
+          <a:xfrm>
+            <a:off x="2108186" y="1475505"/>
+            <a:ext cx="835486" cy="169277"/>
+          </a:xfrm>
+          <a:prstGeom prst="rect">
+            <a:avLst/>
+          </a:prstGeom>
+          <a:noFill/>
+        </p:spPr>
+        <p:txBody>
+          <a:bodyPr wrap="none" rtlCol="0">
+            <a:spAutoFit/>
+          </a:bodyPr>
+          <a:lstStyle/>
+          <a:p>
+            <a:pPr algn="ctr"/>
+            <a:r>
+              <a:rPr lang="en-US" sz="500" b="1">
+                <a:latin typeface="Arial" panose="020B0604020202020204" pitchFamily="34" charset="0"/>
+                <a:cs typeface="Arial" panose="020B0604020202020204" pitchFamily="34" charset="0"/>
+              </a:rPr>
+              <a:t>Glycerol 3-phosphate</a:t>
+            </a:r>
+            <a:endParaRPr lang="en-US" sz="500" b="1" baseline="-25000" dirty="0">
+              <a:latin typeface="Arial" panose="020B0604020202020204" pitchFamily="34" charset="0"/>
+              <a:cs typeface="Arial" panose="020B0604020202020204" pitchFamily="34" charset="0"/>
+            </a:endParaRPr>
+          </a:p>
+        </p:txBody>
+      </p:sp>
+      <p:sp>
+        <p:nvSpPr>
+          <p:cNvPr id="89" name="TextBox 88">
+            <a:extLst>
+              <a:ext uri="{FF2B5EF4-FFF2-40B4-BE49-F238E27FC236}">
+                <a16:creationId xmlns:a16="http://schemas.microsoft.com/office/drawing/2014/main" id="{8E117186-B0FD-F8A9-93F2-7166675FFA35}"/>
+              </a:ext>
+            </a:extLst>
+          </p:cNvPr>
+          <p:cNvSpPr txBox="1"/>
+          <p:nvPr/>
+        </p:nvSpPr>
+        <p:spPr>
+          <a:xfrm>
+            <a:off x="2308627" y="1088920"/>
+            <a:ext cx="439544" cy="169277"/>
+          </a:xfrm>
+          <a:prstGeom prst="rect">
+            <a:avLst/>
+          </a:prstGeom>
+          <a:noFill/>
+        </p:spPr>
+        <p:txBody>
+          <a:bodyPr wrap="none" rtlCol="0">
+            <a:spAutoFit/>
+          </a:bodyPr>
+          <a:lstStyle/>
+          <a:p>
+            <a:pPr algn="ctr"/>
+            <a:r>
+              <a:rPr lang="en-US" sz="500" b="1" dirty="0">
+                <a:latin typeface="Arial" panose="020B0604020202020204" pitchFamily="34" charset="0"/>
+                <a:cs typeface="Arial" panose="020B0604020202020204" pitchFamily="34" charset="0"/>
+              </a:rPr>
+              <a:t>Glycerol</a:t>
+            </a:r>
+            <a:endParaRPr lang="en-US" sz="500" b="1" baseline="-25000" dirty="0">
+              <a:latin typeface="Arial" panose="020B0604020202020204" pitchFamily="34" charset="0"/>
+              <a:cs typeface="Arial" panose="020B0604020202020204" pitchFamily="34" charset="0"/>
+            </a:endParaRPr>
+          </a:p>
+        </p:txBody>
+      </p:sp>
+      <p:cxnSp>
+        <p:nvCxnSpPr>
+          <p:cNvPr id="97" name="Straight Connector 96">
+            <a:extLst>
+              <a:ext uri="{FF2B5EF4-FFF2-40B4-BE49-F238E27FC236}">
+                <a16:creationId xmlns:a16="http://schemas.microsoft.com/office/drawing/2014/main" id="{EC5F5716-47CC-2817-C5E5-DC9D8EACFF81}"/>
+              </a:ext>
+            </a:extLst>
+          </p:cNvPr>
+          <p:cNvCxnSpPr>
+            <a:cxnSpLocks/>
+            <a:stCxn id="74" idx="2"/>
+            <a:endCxn id="16" idx="1"/>
+          </p:cNvCxnSpPr>
+          <p:nvPr/>
+        </p:nvCxnSpPr>
+        <p:spPr>
+          <a:xfrm>
+            <a:off x="2525929" y="1644782"/>
+            <a:ext cx="219204" cy="224084"/>
+          </a:xfrm>
+          <a:prstGeom prst="line">
+            <a:avLst/>
+          </a:prstGeom>
+          <a:ln>
+            <a:solidFill>
+              <a:schemeClr val="tx1"/>
+            </a:solidFill>
+          </a:ln>
+        </p:spPr>
+        <p:style>
+          <a:lnRef idx="1">
+            <a:schemeClr val="accent1"/>
+          </a:lnRef>
+          <a:fillRef idx="0">
+            <a:schemeClr val="accent1"/>
+          </a:fillRef>
+          <a:effectRef idx="0">
+            <a:schemeClr val="accent1"/>
+          </a:effectRef>
+          <a:fontRef idx="minor">
+            <a:schemeClr val="tx1"/>
+          </a:fontRef>
+        </p:style>
+      </p:cxnSp>
+      <p:cxnSp>
+        <p:nvCxnSpPr>
+          <p:cNvPr id="112" name="Straight Connector 111">
+            <a:extLst>
+              <a:ext uri="{FF2B5EF4-FFF2-40B4-BE49-F238E27FC236}">
+                <a16:creationId xmlns:a16="http://schemas.microsoft.com/office/drawing/2014/main" id="{7704B8C4-0AED-3FC0-2DDC-EB29C7EBCA2D}"/>
+              </a:ext>
+            </a:extLst>
+          </p:cNvPr>
+          <p:cNvCxnSpPr>
+            <a:cxnSpLocks/>
+          </p:cNvCxnSpPr>
+          <p:nvPr/>
+        </p:nvCxnSpPr>
+        <p:spPr>
+          <a:xfrm flipV="1">
+            <a:off x="2521563" y="1231116"/>
+            <a:ext cx="0" cy="244389"/>
           </a:xfrm>
           <a:prstGeom prst="line">
             <a:avLst/>
